--- a/Presentation projet raytracing.pptx
+++ b/Presentation projet raytracing.pptx
@@ -245,7 +245,7 @@
             <a:pPr rtl="0"/>
             <a:fld id="{8A761C43-90B0-443C-86EC-3C0DD5DA01AA}" type="datetime1">
               <a:rPr lang="fr-FR" smtClean="0"/>
-              <a:t>12/03/2022</a:t>
+              <a:t>14/03/2022</a:t>
             </a:fld>
             <a:endParaRPr lang="fr-FR"/>
           </a:p>
@@ -423,7 +423,7 @@
             <a:pPr rtl="0"/>
             <a:fld id="{F69C82B5-293F-43D8-BDBA-2AB8C5A97E24}" type="datetime1">
               <a:rPr lang="fr-FR" noProof="0" smtClean="0"/>
-              <a:t>12/03/2022</a:t>
+              <a:t>14/03/2022</a:t>
             </a:fld>
             <a:endParaRPr lang="fr-FR" noProof="0"/>
           </a:p>
@@ -2136,7 +2136,7 @@
             <a:pPr rtl="0"/>
             <a:fld id="{8CB63F34-E62A-42EB-8BBE-5D97981BDF99}" type="datetime1">
               <a:rPr lang="fr-FR" noProof="0" smtClean="0"/>
-              <a:t>12/03/2022</a:t>
+              <a:t>14/03/2022</a:t>
             </a:fld>
             <a:endParaRPr lang="fr-FR" noProof="0"/>
           </a:p>
@@ -2369,7 +2369,7 @@
             <a:pPr rtl="0"/>
             <a:fld id="{F628D6F8-A827-43B4-8C73-878D7AB60B7E}" type="datetime1">
               <a:rPr lang="fr-FR" noProof="0" smtClean="0"/>
-              <a:t>12/03/2022</a:t>
+              <a:t>14/03/2022</a:t>
             </a:fld>
             <a:endParaRPr lang="fr-FR" noProof="0"/>
           </a:p>
@@ -3198,7 +3198,7 @@
             <a:pPr rtl="0"/>
             <a:fld id="{84EE86DE-C0F5-4589-B42C-0AB3ABDBEEBE}" type="datetime1">
               <a:rPr lang="fr-FR" noProof="0" smtClean="0"/>
-              <a:t>12/03/2022</a:t>
+              <a:t>14/03/2022</a:t>
             </a:fld>
             <a:endParaRPr lang="fr-FR" noProof="0"/>
           </a:p>
@@ -3409,7 +3409,7 @@
             <a:pPr rtl="0"/>
             <a:fld id="{7BD930E9-522E-4B98-907D-6FC3AD7E907B}" type="datetime1">
               <a:rPr lang="fr-FR" noProof="0" smtClean="0"/>
-              <a:t>12/03/2022</a:t>
+              <a:t>14/03/2022</a:t>
             </a:fld>
             <a:endParaRPr lang="fr-FR" noProof="0"/>
           </a:p>
@@ -4677,7 +4677,7 @@
             <a:pPr rtl="0"/>
             <a:fld id="{1081AF74-AAE7-463E-86C0-EE02064F8F51}" type="datetime1">
               <a:rPr lang="fr-FR" noProof="0" smtClean="0"/>
-              <a:t>12/03/2022</a:t>
+              <a:t>14/03/2022</a:t>
             </a:fld>
             <a:endParaRPr lang="fr-FR" noProof="0"/>
           </a:p>
@@ -5009,7 +5009,7 @@
             <a:pPr rtl="0"/>
             <a:fld id="{F3F495EE-B4EF-444D-88BC-CEAB1749D92D}" type="datetime1">
               <a:rPr lang="fr-FR" noProof="0" smtClean="0"/>
-              <a:t>12/03/2022</a:t>
+              <a:t>14/03/2022</a:t>
             </a:fld>
             <a:endParaRPr lang="fr-FR" noProof="0"/>
           </a:p>
@@ -5463,7 +5463,7 @@
             <a:pPr rtl="0"/>
             <a:fld id="{035F29F0-A14F-4F4F-8A89-9D96995D09F4}" type="datetime1">
               <a:rPr lang="fr-FR" noProof="0" smtClean="0"/>
-              <a:t>12/03/2022</a:t>
+              <a:t>14/03/2022</a:t>
             </a:fld>
             <a:endParaRPr lang="fr-FR" noProof="0"/>
           </a:p>
@@ -5603,7 +5603,7 @@
             <a:pPr rtl="0"/>
             <a:fld id="{375A8DC8-1EBC-45BD-B5DA-23DB3A320D95}" type="datetime1">
               <a:rPr lang="fr-FR" noProof="0" smtClean="0"/>
-              <a:t>12/03/2022</a:t>
+              <a:t>14/03/2022</a:t>
             </a:fld>
             <a:endParaRPr lang="fr-FR" noProof="0"/>
           </a:p>
@@ -5944,7 +5944,7 @@
             <a:pPr rtl="0"/>
             <a:fld id="{299DDFE8-5D0F-4294-BF0D-BCBA491BB07D}" type="datetime1">
               <a:rPr lang="fr-FR" noProof="0" smtClean="0"/>
-              <a:t>12/03/2022</a:t>
+              <a:t>14/03/2022</a:t>
             </a:fld>
             <a:endParaRPr lang="fr-FR" noProof="0"/>
           </a:p>
@@ -6442,7 +6442,7 @@
             <a:pPr rtl="0"/>
             <a:fld id="{511C5F71-8AAC-4C18-9BBC-93A1054C5EED}" type="datetime1">
               <a:rPr lang="fr-FR" noProof="0" smtClean="0"/>
-              <a:t>12/03/2022</a:t>
+              <a:t>14/03/2022</a:t>
             </a:fld>
             <a:endParaRPr lang="fr-FR" noProof="0"/>
           </a:p>
@@ -6896,7 +6896,7 @@
             <a:pPr rtl="0"/>
             <a:fld id="{1828A8D0-70DF-4270-BFE1-B980037453FE}" type="datetime1">
               <a:rPr lang="fr-FR" noProof="0" smtClean="0"/>
-              <a:t>12/03/2022</a:t>
+              <a:t>14/03/2022</a:t>
             </a:fld>
             <a:endParaRPr lang="fr-FR" noProof="0"/>
           </a:p>
@@ -7799,7 +7799,7 @@
             <a:pPr rtl="0"/>
             <a:fld id="{CC995AA8-4435-43C9-8D68-A9F4972684AF}" type="datetime1">
               <a:rPr lang="fr-FR" noProof="0" smtClean="0"/>
-              <a:t>12/03/2022</a:t>
+              <a:t>14/03/2022</a:t>
             </a:fld>
             <a:endParaRPr lang="fr-FR" noProof="0"/>
           </a:p>
@@ -9488,12 +9488,56 @@
           </a:p>
         </p:txBody>
       </p:sp>
+      <p:sp>
+        <p:nvSpPr>
+          <p:cNvPr id="8" name="ZoneTexte 7">
+            <a:extLst>
+              <a:ext uri="{FF2B5EF4-FFF2-40B4-BE49-F238E27FC236}">
+                <a16:creationId xmlns:a16="http://schemas.microsoft.com/office/drawing/2014/main" id="{E545A60E-ABD6-4C40-A127-C2667BCA5CC5}"/>
+              </a:ext>
+            </a:extLst>
+          </p:cNvPr>
+          <p:cNvSpPr txBox="1"/>
+          <p:nvPr/>
+        </p:nvSpPr>
+        <p:spPr>
+          <a:xfrm>
+            <a:off x="7318548" y="6303769"/>
+            <a:ext cx="3672408" cy="369332"/>
+          </a:xfrm>
+          <a:prstGeom prst="rect">
+            <a:avLst/>
+          </a:prstGeom>
+          <a:noFill/>
+        </p:spPr>
+        <p:txBody>
+          <a:bodyPr wrap="square" rtlCol="0">
+            <a:spAutoFit/>
+          </a:bodyPr>
+          <a:lstStyle/>
+          <a:p>
+            <a:r>
+              <a:rPr lang="fr-FR" dirty="0" err="1"/>
+              <a:t>Raytracing</a:t>
+            </a:r>
+            <a:r>
+              <a:rPr lang="fr-FR" dirty="0"/>
+              <a:t> avec </a:t>
+            </a:r>
+            <a:r>
+              <a:rPr lang="fr-FR" dirty="0" err="1"/>
+              <a:t>Reflexion</a:t>
+            </a:r>
+            <a:endParaRPr lang="fr-FR" dirty="0"/>
+          </a:p>
+        </p:txBody>
+      </p:sp>
       <p:pic>
         <p:nvPicPr>
-          <p:cNvPr id="5" name="Image 4">
+          <p:cNvPr id="9" name="Image 8">
             <a:extLst>
               <a:ext uri="{FF2B5EF4-FFF2-40B4-BE49-F238E27FC236}">
-                <a16:creationId xmlns:a16="http://schemas.microsoft.com/office/drawing/2014/main" id="{09A4E497-8A7E-4E17-A2F4-5DCA7E0A6718}"/>
+                <a16:creationId xmlns:a16="http://schemas.microsoft.com/office/drawing/2014/main" id="{5F59B43E-4466-4BDD-BFDF-4C66F4FC5F5D}"/>
               </a:ext>
             </a:extLst>
           </p:cNvPr>
@@ -9510,58 +9554,14 @@
         </p:blipFill>
         <p:spPr>
           <a:xfrm>
-            <a:off x="7030516" y="2420888"/>
-            <a:ext cx="3703998" cy="3735124"/>
+            <a:off x="6814492" y="2492896"/>
+            <a:ext cx="3744416" cy="3642199"/>
           </a:xfrm>
           <a:prstGeom prst="rect">
             <a:avLst/>
           </a:prstGeom>
         </p:spPr>
       </p:pic>
-      <p:sp>
-        <p:nvSpPr>
-          <p:cNvPr id="8" name="ZoneTexte 7">
-            <a:extLst>
-              <a:ext uri="{FF2B5EF4-FFF2-40B4-BE49-F238E27FC236}">
-                <a16:creationId xmlns:a16="http://schemas.microsoft.com/office/drawing/2014/main" id="{E545A60E-ABD6-4C40-A127-C2667BCA5CC5}"/>
-              </a:ext>
-            </a:extLst>
-          </p:cNvPr>
-          <p:cNvSpPr txBox="1"/>
-          <p:nvPr/>
-        </p:nvSpPr>
-        <p:spPr>
-          <a:xfrm>
-            <a:off x="7318548" y="6303769"/>
-            <a:ext cx="3672408" cy="369332"/>
-          </a:xfrm>
-          <a:prstGeom prst="rect">
-            <a:avLst/>
-          </a:prstGeom>
-          <a:noFill/>
-        </p:spPr>
-        <p:txBody>
-          <a:bodyPr wrap="square" rtlCol="0">
-            <a:spAutoFit/>
-          </a:bodyPr>
-          <a:lstStyle/>
-          <a:p>
-            <a:r>
-              <a:rPr lang="fr-FR" dirty="0" err="1"/>
-              <a:t>Raytracing</a:t>
-            </a:r>
-            <a:r>
-              <a:rPr lang="fr-FR" dirty="0"/>
-              <a:t> avec </a:t>
-            </a:r>
-            <a:r>
-              <a:rPr lang="fr-FR" dirty="0" err="1"/>
-              <a:t>Reflexion</a:t>
-            </a:r>
-            <a:endParaRPr lang="fr-FR" dirty="0"/>
-          </a:p>
-        </p:txBody>
-      </p:sp>
     </p:spTree>
     <p:extLst>
       <p:ext uri="{BB962C8B-B14F-4D97-AF65-F5344CB8AC3E}">
@@ -9904,7 +9904,7 @@
         </p:blipFill>
         <p:spPr>
           <a:xfrm>
-            <a:off x="5374332" y="1556792"/>
+            <a:off x="5374332" y="1646195"/>
             <a:ext cx="6027821" cy="4015053"/>
           </a:xfrm>
         </p:spPr>
@@ -9922,196 +9922,234 @@
         <p:spPr/>
         <p:txBody>
           <a:bodyPr rtlCol="0">
-            <a:normAutofit fontScale="70000" lnSpcReduction="20000"/>
+            <a:normAutofit fontScale="47500" lnSpcReduction="20000"/>
           </a:bodyPr>
           <a:lstStyle/>
           <a:p>
             <a:pPr algn="l"/>
+            <a:r>
+              <a:rPr lang="fr-FR" sz="2500" b="0" i="0" u="none" strike="noStrike" baseline="0" dirty="0">
+                <a:latin typeface="Calibri" panose="020F0502020204030204" pitchFamily="34" charset="0"/>
+                <a:cs typeface="Calibri" panose="020F0502020204030204" pitchFamily="34" charset="0"/>
+              </a:rPr>
+              <a:t>Un </a:t>
+            </a:r>
+            <a:r>
+              <a:rPr lang="fr-FR" sz="2500" b="0" i="1" u="none" strike="noStrike" baseline="0" dirty="0">
+                <a:latin typeface="Calibri" panose="020F0502020204030204" pitchFamily="34" charset="0"/>
+                <a:cs typeface="Calibri" panose="020F0502020204030204" pitchFamily="34" charset="0"/>
+              </a:rPr>
+              <a:t>ray tracer </a:t>
+            </a:r>
+            <a:r>
+              <a:rPr lang="fr-FR" sz="2500" b="0" i="0" u="none" strike="noStrike" baseline="0" dirty="0">
+                <a:latin typeface="Calibri" panose="020F0502020204030204" pitchFamily="34" charset="0"/>
+                <a:cs typeface="Calibri" panose="020F0502020204030204" pitchFamily="34" charset="0"/>
+              </a:rPr>
+              <a:t>est un logiciel permettant de</a:t>
+            </a:r>
+          </a:p>
+          <a:p>
+            <a:pPr algn="l"/>
+            <a:r>
+              <a:rPr lang="fr-FR" sz="2500" b="0" i="0" u="none" strike="noStrike" baseline="0" dirty="0">
+                <a:latin typeface="Calibri" panose="020F0502020204030204" pitchFamily="34" charset="0"/>
+                <a:cs typeface="Calibri" panose="020F0502020204030204" pitchFamily="34" charset="0"/>
+              </a:rPr>
+              <a:t>visualiser une scène modélisée en 3D fondé</a:t>
+            </a:r>
+          </a:p>
+          <a:p>
+            <a:pPr algn="l"/>
+            <a:r>
+              <a:rPr lang="fr-FR" sz="2500" b="0" i="0" u="none" strike="noStrike" baseline="0" dirty="0">
+                <a:latin typeface="Calibri" panose="020F0502020204030204" pitchFamily="34" charset="0"/>
+                <a:cs typeface="Calibri" panose="020F0502020204030204" pitchFamily="34" charset="0"/>
+              </a:rPr>
+              <a:t>sur la théorie de l’optique géométrique</a:t>
+            </a:r>
+          </a:p>
+          <a:p>
+            <a:pPr algn="l"/>
+            <a:r>
+              <a:rPr lang="fr-FR" sz="2500" b="0" i="0" u="none" strike="noStrike" baseline="0" dirty="0">
+                <a:latin typeface="Calibri" panose="020F0502020204030204" pitchFamily="34" charset="0"/>
+                <a:cs typeface="Calibri" panose="020F0502020204030204" pitchFamily="34" charset="0"/>
+              </a:rPr>
+              <a:t>inversée.</a:t>
+            </a:r>
+          </a:p>
+          <a:p>
+            <a:pPr algn="l"/>
+            <a:r>
+              <a:rPr lang="fr-FR" sz="2500" b="0" i="0" u="none" strike="noStrike" baseline="0" dirty="0">
+                <a:latin typeface="Calibri" panose="020F0502020204030204" pitchFamily="34" charset="0"/>
+                <a:cs typeface="Calibri" panose="020F0502020204030204" pitchFamily="34" charset="0"/>
+              </a:rPr>
+              <a:t>L’objectif est de </a:t>
+            </a:r>
+            <a:r>
+              <a:rPr lang="fr-FR" sz="2500" b="1" i="0" u="none" strike="noStrike" baseline="0" dirty="0">
+                <a:latin typeface="Calibri" panose="020F0502020204030204" pitchFamily="34" charset="0"/>
+                <a:cs typeface="Calibri" panose="020F0502020204030204" pitchFamily="34" charset="0"/>
+              </a:rPr>
+              <a:t>lancer des rayons </a:t>
+            </a:r>
+            <a:r>
+              <a:rPr lang="fr-FR" sz="2500" b="0" i="0" u="none" strike="noStrike" baseline="0" dirty="0">
+                <a:latin typeface="Calibri" panose="020F0502020204030204" pitchFamily="34" charset="0"/>
+                <a:cs typeface="Calibri" panose="020F0502020204030204" pitchFamily="34" charset="0"/>
+              </a:rPr>
+              <a:t>depuis un</a:t>
+            </a:r>
+          </a:p>
+          <a:p>
+            <a:pPr algn="l"/>
+            <a:r>
+              <a:rPr lang="fr-FR" sz="2500" b="0" i="0" u="none" strike="noStrike" baseline="0" dirty="0">
+                <a:latin typeface="Calibri" panose="020F0502020204030204" pitchFamily="34" charset="0"/>
+                <a:cs typeface="Calibri" panose="020F0502020204030204" pitchFamily="34" charset="0"/>
+              </a:rPr>
+              <a:t>point d’observation (une caméra) et de suivre</a:t>
+            </a:r>
+          </a:p>
+          <a:p>
+            <a:pPr algn="l"/>
+            <a:r>
+              <a:rPr lang="fr-FR" sz="2500" b="0" i="0" u="none" strike="noStrike" baseline="0" dirty="0">
+                <a:latin typeface="Calibri" panose="020F0502020204030204" pitchFamily="34" charset="0"/>
+                <a:cs typeface="Calibri" panose="020F0502020204030204" pitchFamily="34" charset="0"/>
+              </a:rPr>
+              <a:t> la </a:t>
+            </a:r>
+            <a:r>
+              <a:rPr lang="fr-FR" sz="2500" b="1" i="0" u="none" strike="noStrike" baseline="0" dirty="0">
+                <a:latin typeface="Calibri" panose="020F0502020204030204" pitchFamily="34" charset="0"/>
+                <a:cs typeface="Calibri" panose="020F0502020204030204" pitchFamily="34" charset="0"/>
+              </a:rPr>
+              <a:t>trajectoire optique inverse</a:t>
+            </a:r>
+            <a:r>
+              <a:rPr lang="fr-FR" sz="2500" b="0" i="0" u="none" strike="noStrike" baseline="0" dirty="0">
+                <a:latin typeface="Calibri" panose="020F0502020204030204" pitchFamily="34" charset="0"/>
+                <a:cs typeface="Calibri" panose="020F0502020204030204" pitchFamily="34" charset="0"/>
+              </a:rPr>
+              <a:t>1 de ce rayon.</a:t>
+            </a:r>
+          </a:p>
+          <a:p>
+            <a:pPr algn="l"/>
+            <a:r>
+              <a:rPr lang="fr-FR" sz="2500" b="0" i="0" u="none" strike="noStrike" baseline="0" dirty="0">
+                <a:latin typeface="Calibri" panose="020F0502020204030204" pitchFamily="34" charset="0"/>
+                <a:cs typeface="Calibri" panose="020F0502020204030204" pitchFamily="34" charset="0"/>
+              </a:rPr>
+              <a:t>Lorsqu’il y a une </a:t>
+            </a:r>
+            <a:r>
+              <a:rPr lang="fr-FR" sz="2500" b="1" i="0" u="none" strike="noStrike" baseline="0" dirty="0">
+                <a:latin typeface="Calibri" panose="020F0502020204030204" pitchFamily="34" charset="0"/>
+                <a:cs typeface="Calibri" panose="020F0502020204030204" pitchFamily="34" charset="0"/>
+              </a:rPr>
+              <a:t>intersection </a:t>
+            </a:r>
+            <a:r>
+              <a:rPr lang="fr-FR" sz="2500" b="0" i="0" u="none" strike="noStrike" baseline="0" dirty="0">
+                <a:latin typeface="Calibri" panose="020F0502020204030204" pitchFamily="34" charset="0"/>
+                <a:cs typeface="Calibri" panose="020F0502020204030204" pitchFamily="34" charset="0"/>
+              </a:rPr>
+              <a:t>entre le rayon et</a:t>
+            </a:r>
+          </a:p>
+          <a:p>
+            <a:pPr algn="l"/>
+            <a:r>
+              <a:rPr lang="fr-FR" sz="2500" b="0" i="0" u="none" strike="noStrike" baseline="0" dirty="0">
+                <a:latin typeface="Calibri" panose="020F0502020204030204" pitchFamily="34" charset="0"/>
+                <a:cs typeface="Calibri" panose="020F0502020204030204" pitchFamily="34" charset="0"/>
+              </a:rPr>
+              <a:t> un objet de l’environnement, un calcul</a:t>
+            </a:r>
+          </a:p>
+          <a:p>
+            <a:pPr algn="l"/>
+            <a:r>
+              <a:rPr lang="fr-FR" sz="2500" b="0" i="0" u="none" strike="noStrike" baseline="0" dirty="0">
+                <a:latin typeface="Calibri" panose="020F0502020204030204" pitchFamily="34" charset="0"/>
+                <a:cs typeface="Calibri" panose="020F0502020204030204" pitchFamily="34" charset="0"/>
+              </a:rPr>
+              <a:t>d’</a:t>
+            </a:r>
+            <a:r>
+              <a:rPr lang="fr-FR" sz="2500" b="1" i="0" u="none" strike="noStrike" baseline="0" dirty="0">
+                <a:latin typeface="Calibri" panose="020F0502020204030204" pitchFamily="34" charset="0"/>
+                <a:cs typeface="Calibri" panose="020F0502020204030204" pitchFamily="34" charset="0"/>
+              </a:rPr>
+              <a:t>illumination </a:t>
+            </a:r>
+            <a:r>
+              <a:rPr lang="fr-FR" sz="2500" b="0" i="0" u="none" strike="noStrike" baseline="0" dirty="0">
+                <a:latin typeface="Calibri" panose="020F0502020204030204" pitchFamily="34" charset="0"/>
+                <a:cs typeface="Calibri" panose="020F0502020204030204" pitchFamily="34" charset="0"/>
+              </a:rPr>
+              <a:t>(</a:t>
+            </a:r>
+            <a:r>
+              <a:rPr lang="fr-FR" sz="2500" b="0" i="1" u="none" strike="noStrike" baseline="0" dirty="0" err="1">
+                <a:latin typeface="Calibri" panose="020F0502020204030204" pitchFamily="34" charset="0"/>
+                <a:cs typeface="Calibri" panose="020F0502020204030204" pitchFamily="34" charset="0"/>
+              </a:rPr>
+              <a:t>shading</a:t>
+            </a:r>
+            <a:r>
+              <a:rPr lang="fr-FR" sz="2500" b="0" i="0" u="none" strike="noStrike" baseline="0" dirty="0">
+                <a:latin typeface="Calibri" panose="020F0502020204030204" pitchFamily="34" charset="0"/>
+                <a:cs typeface="Calibri" panose="020F0502020204030204" pitchFamily="34" charset="0"/>
+              </a:rPr>
+              <a:t>) détermine si l’objet</a:t>
+            </a:r>
+          </a:p>
+          <a:p>
+            <a:pPr algn="l"/>
+            <a:r>
+              <a:rPr lang="fr-FR" sz="2500" b="0" i="0" u="none" strike="noStrike" baseline="0" dirty="0" err="1">
+                <a:latin typeface="Calibri" panose="020F0502020204030204" pitchFamily="34" charset="0"/>
+                <a:cs typeface="Calibri" panose="020F0502020204030204" pitchFamily="34" charset="0"/>
+              </a:rPr>
+              <a:t>intersepté</a:t>
+            </a:r>
+            <a:r>
+              <a:rPr lang="fr-FR" sz="2500" b="0" i="0" u="none" strike="noStrike" baseline="0" dirty="0">
+                <a:latin typeface="Calibri" panose="020F0502020204030204" pitchFamily="34" charset="0"/>
+                <a:cs typeface="Calibri" panose="020F0502020204030204" pitchFamily="34" charset="0"/>
+              </a:rPr>
+              <a:t> est éclairé par une source de lumière</a:t>
+            </a:r>
+          </a:p>
+          <a:p>
+            <a:pPr algn="l"/>
+            <a:r>
+              <a:rPr lang="fr-FR" sz="2500" b="0" i="0" u="none" strike="noStrike" baseline="0" dirty="0">
+                <a:latin typeface="Calibri" panose="020F0502020204030204" pitchFamily="34" charset="0"/>
+                <a:cs typeface="Calibri" panose="020F0502020204030204" pitchFamily="34" charset="0"/>
+              </a:rPr>
+              <a:t> et évalue la couleur que celui-ci va réfléchir et</a:t>
+            </a:r>
+          </a:p>
+          <a:p>
+            <a:pPr algn="l"/>
+            <a:r>
+              <a:rPr lang="fr-FR" sz="2500" b="0" i="0" u="none" strike="noStrike" baseline="0" dirty="0">
+                <a:latin typeface="Calibri" panose="020F0502020204030204" pitchFamily="34" charset="0"/>
+                <a:cs typeface="Calibri" panose="020F0502020204030204" pitchFamily="34" charset="0"/>
+              </a:rPr>
+              <a:t>transmettre vers le point d’observation</a:t>
+            </a:r>
             <a:r>
               <a:rPr lang="fr-FR" sz="1800" b="0" i="0" u="none" strike="noStrike" baseline="0" dirty="0">
                 <a:latin typeface="TimesNewRomanPSMT"/>
               </a:rPr>
-              <a:t>Un </a:t>
-            </a:r>
-            <a:r>
-              <a:rPr lang="fr-FR" sz="1800" b="0" i="1" u="none" strike="noStrike" baseline="0" dirty="0">
-                <a:latin typeface="Times New Roman" panose="02020603050405020304" pitchFamily="18" charset="0"/>
-              </a:rPr>
-              <a:t>ray tracer </a:t>
-            </a:r>
-            <a:r>
-              <a:rPr lang="fr-FR" sz="1800" b="0" i="0" u="none" strike="noStrike" baseline="0" dirty="0">
-                <a:latin typeface="TimesNewRomanPSMT"/>
-              </a:rPr>
-              <a:t>est un logiciel permettant de</a:t>
-            </a:r>
-          </a:p>
-          <a:p>
-            <a:pPr algn="l"/>
-            <a:r>
-              <a:rPr lang="fr-FR" sz="1800" b="0" i="0" u="none" strike="noStrike" baseline="0" dirty="0">
-                <a:latin typeface="TimesNewRomanPSMT"/>
-              </a:rPr>
-              <a:t>visualiser une scène modélisée en 3D fondé</a:t>
-            </a:r>
-          </a:p>
-          <a:p>
-            <a:pPr algn="l"/>
-            <a:r>
-              <a:rPr lang="fr-FR" sz="1800" b="0" i="0" u="none" strike="noStrike" baseline="0" dirty="0">
-                <a:latin typeface="TimesNewRomanPSMT"/>
-              </a:rPr>
-              <a:t>sur la théorie de l’optique géométrique</a:t>
-            </a:r>
-          </a:p>
-          <a:p>
-            <a:pPr algn="l"/>
-            <a:r>
-              <a:rPr lang="fr-FR" sz="1800" b="0" i="0" u="none" strike="noStrike" baseline="0" dirty="0">
-                <a:latin typeface="TimesNewRomanPSMT"/>
-              </a:rPr>
-              <a:t>inversée.</a:t>
-            </a:r>
-          </a:p>
-          <a:p>
-            <a:pPr algn="l"/>
-            <a:r>
-              <a:rPr lang="fr-FR" sz="1800" b="0" i="0" u="none" strike="noStrike" baseline="0" dirty="0">
-                <a:latin typeface="TimesNewRomanPSMT"/>
-              </a:rPr>
-              <a:t>L’objectif est de </a:t>
-            </a:r>
-            <a:r>
-              <a:rPr lang="fr-FR" sz="1800" b="1" i="0" u="none" strike="noStrike" baseline="0" dirty="0">
-                <a:latin typeface="TimesNewRomanPS-BoldMT"/>
-              </a:rPr>
-              <a:t>lancer des rayons </a:t>
-            </a:r>
-            <a:r>
-              <a:rPr lang="fr-FR" sz="1800" b="0" i="0" u="none" strike="noStrike" baseline="0" dirty="0">
-                <a:latin typeface="TimesNewRomanPSMT"/>
-              </a:rPr>
-              <a:t>depuis un</a:t>
-            </a:r>
-          </a:p>
-          <a:p>
-            <a:pPr algn="l"/>
-            <a:r>
-              <a:rPr lang="fr-FR" sz="1800" b="0" i="0" u="none" strike="noStrike" baseline="0" dirty="0">
-                <a:latin typeface="TimesNewRomanPSMT"/>
-              </a:rPr>
-              <a:t>point d’observation (une caméra) et de suivre</a:t>
-            </a:r>
-          </a:p>
-          <a:p>
-            <a:pPr algn="l"/>
-            <a:r>
-              <a:rPr lang="fr-FR" sz="1800" b="0" i="0" u="none" strike="noStrike" baseline="0" dirty="0">
-                <a:latin typeface="TimesNewRomanPSMT"/>
-              </a:rPr>
-              <a:t> la </a:t>
-            </a:r>
-            <a:r>
-              <a:rPr lang="fr-FR" sz="1800" b="1" i="0" u="none" strike="noStrike" baseline="0" dirty="0">
-                <a:latin typeface="TimesNewRomanPS-BoldMT"/>
-              </a:rPr>
-              <a:t>trajectoire optique inverse</a:t>
-            </a:r>
-            <a:r>
-              <a:rPr lang="fr-FR" sz="1800" b="0" i="0" u="none" strike="noStrike" baseline="0" dirty="0">
-                <a:latin typeface="TimesNewRomanPSMT"/>
-              </a:rPr>
-              <a:t>1 de ce rayon.</a:t>
-            </a:r>
-          </a:p>
-          <a:p>
-            <a:pPr algn="l"/>
-            <a:r>
-              <a:rPr lang="fr-FR" sz="1800" b="0" i="0" u="none" strike="noStrike" baseline="0" dirty="0">
-                <a:latin typeface="TimesNewRomanPSMT"/>
-              </a:rPr>
-              <a:t>Lorsqu’il y a une </a:t>
-            </a:r>
-            <a:r>
-              <a:rPr lang="fr-FR" sz="1800" b="1" i="0" u="none" strike="noStrike" baseline="0" dirty="0">
-                <a:latin typeface="TimesNewRomanPS-BoldMT"/>
-              </a:rPr>
-              <a:t>intersection </a:t>
-            </a:r>
-            <a:r>
-              <a:rPr lang="fr-FR" sz="1800" b="0" i="0" u="none" strike="noStrike" baseline="0" dirty="0">
-                <a:latin typeface="TimesNewRomanPSMT"/>
-              </a:rPr>
-              <a:t>entre le rayon et</a:t>
-            </a:r>
-          </a:p>
-          <a:p>
-            <a:pPr algn="l"/>
-            <a:r>
-              <a:rPr lang="fr-FR" sz="1800" b="0" i="0" u="none" strike="noStrike" baseline="0" dirty="0">
-                <a:latin typeface="TimesNewRomanPSMT"/>
-              </a:rPr>
-              <a:t> un objet de l’environnement, un calcul</a:t>
-            </a:r>
-          </a:p>
-          <a:p>
-            <a:pPr algn="l"/>
-            <a:r>
-              <a:rPr lang="fr-FR" sz="1800" b="0" i="0" u="none" strike="noStrike" baseline="0" dirty="0">
-                <a:latin typeface="TimesNewRomanPSMT"/>
-              </a:rPr>
-              <a:t>d’</a:t>
-            </a:r>
-            <a:r>
-              <a:rPr lang="fr-FR" sz="1800" b="1" i="0" u="none" strike="noStrike" baseline="0" dirty="0">
-                <a:latin typeface="TimesNewRomanPS-BoldMT"/>
-              </a:rPr>
-              <a:t>illumination </a:t>
-            </a:r>
-            <a:r>
-              <a:rPr lang="fr-FR" sz="1800" b="0" i="0" u="none" strike="noStrike" baseline="0" dirty="0">
-                <a:latin typeface="TimesNewRomanPSMT"/>
-              </a:rPr>
-              <a:t>(</a:t>
-            </a:r>
-            <a:r>
-              <a:rPr lang="fr-FR" sz="1800" b="0" i="1" u="none" strike="noStrike" baseline="0" dirty="0" err="1">
-                <a:latin typeface="Times New Roman" panose="02020603050405020304" pitchFamily="18" charset="0"/>
-              </a:rPr>
-              <a:t>shading</a:t>
-            </a:r>
-            <a:r>
-              <a:rPr lang="fr-FR" sz="1800" b="0" i="0" u="none" strike="noStrike" baseline="0" dirty="0">
-                <a:latin typeface="TimesNewRomanPSMT"/>
-              </a:rPr>
-              <a:t>) détermine si l’objet</a:t>
-            </a:r>
-          </a:p>
-          <a:p>
-            <a:pPr algn="l"/>
-            <a:r>
-              <a:rPr lang="fr-FR" sz="1800" b="0" i="0" u="none" strike="noStrike" baseline="0" dirty="0">
-                <a:latin typeface="TimesNewRomanPSMT"/>
-              </a:rPr>
-              <a:t>intersecté est éclairé par une source de lumière</a:t>
-            </a:r>
-          </a:p>
-          <a:p>
-            <a:pPr algn="l"/>
-            <a:r>
-              <a:rPr lang="fr-FR" sz="1800" b="0" i="0" u="none" strike="noStrike" baseline="0" dirty="0">
-                <a:latin typeface="TimesNewRomanPSMT"/>
-              </a:rPr>
-              <a:t> et évalue la couleur que celui-ci va réfléchir et</a:t>
-            </a:r>
-          </a:p>
-          <a:p>
-            <a:pPr algn="l"/>
-            <a:r>
-              <a:rPr lang="fr-FR" sz="1800" b="0" i="0" u="none" strike="noStrike" baseline="0" dirty="0">
-                <a:latin typeface="TimesNewRomanPSMT"/>
-              </a:rPr>
-              <a:t>transmettre vers le point d’observation.</a:t>
+              <a:t>.</a:t>
             </a:r>
             <a:endParaRPr lang="fr-FR" dirty="0"/>
           </a:p>

--- a/Presentation projet raytracing.pptx
+++ b/Presentation projet raytracing.pptx
@@ -245,7 +245,7 @@
             <a:pPr rtl="0"/>
             <a:fld id="{8A761C43-90B0-443C-86EC-3C0DD5DA01AA}" type="datetime1">
               <a:rPr lang="fr-FR" smtClean="0"/>
-              <a:t>14/03/2022</a:t>
+              <a:t>16/03/2022</a:t>
             </a:fld>
             <a:endParaRPr lang="fr-FR"/>
           </a:p>
@@ -423,7 +423,7 @@
             <a:pPr rtl="0"/>
             <a:fld id="{F69C82B5-293F-43D8-BDBA-2AB8C5A97E24}" type="datetime1">
               <a:rPr lang="fr-FR" noProof="0" smtClean="0"/>
-              <a:t>14/03/2022</a:t>
+              <a:t>16/03/2022</a:t>
             </a:fld>
             <a:endParaRPr lang="fr-FR" noProof="0"/>
           </a:p>
@@ -2136,7 +2136,7 @@
             <a:pPr rtl="0"/>
             <a:fld id="{8CB63F34-E62A-42EB-8BBE-5D97981BDF99}" type="datetime1">
               <a:rPr lang="fr-FR" noProof="0" smtClean="0"/>
-              <a:t>14/03/2022</a:t>
+              <a:t>16/03/2022</a:t>
             </a:fld>
             <a:endParaRPr lang="fr-FR" noProof="0"/>
           </a:p>
@@ -2369,7 +2369,7 @@
             <a:pPr rtl="0"/>
             <a:fld id="{F628D6F8-A827-43B4-8C73-878D7AB60B7E}" type="datetime1">
               <a:rPr lang="fr-FR" noProof="0" smtClean="0"/>
-              <a:t>14/03/2022</a:t>
+              <a:t>16/03/2022</a:t>
             </a:fld>
             <a:endParaRPr lang="fr-FR" noProof="0"/>
           </a:p>
@@ -3198,7 +3198,7 @@
             <a:pPr rtl="0"/>
             <a:fld id="{84EE86DE-C0F5-4589-B42C-0AB3ABDBEEBE}" type="datetime1">
               <a:rPr lang="fr-FR" noProof="0" smtClean="0"/>
-              <a:t>14/03/2022</a:t>
+              <a:t>16/03/2022</a:t>
             </a:fld>
             <a:endParaRPr lang="fr-FR" noProof="0"/>
           </a:p>
@@ -3409,7 +3409,7 @@
             <a:pPr rtl="0"/>
             <a:fld id="{7BD930E9-522E-4B98-907D-6FC3AD7E907B}" type="datetime1">
               <a:rPr lang="fr-FR" noProof="0" smtClean="0"/>
-              <a:t>14/03/2022</a:t>
+              <a:t>16/03/2022</a:t>
             </a:fld>
             <a:endParaRPr lang="fr-FR" noProof="0"/>
           </a:p>
@@ -4677,7 +4677,7 @@
             <a:pPr rtl="0"/>
             <a:fld id="{1081AF74-AAE7-463E-86C0-EE02064F8F51}" type="datetime1">
               <a:rPr lang="fr-FR" noProof="0" smtClean="0"/>
-              <a:t>14/03/2022</a:t>
+              <a:t>16/03/2022</a:t>
             </a:fld>
             <a:endParaRPr lang="fr-FR" noProof="0"/>
           </a:p>
@@ -5009,7 +5009,7 @@
             <a:pPr rtl="0"/>
             <a:fld id="{F3F495EE-B4EF-444D-88BC-CEAB1749D92D}" type="datetime1">
               <a:rPr lang="fr-FR" noProof="0" smtClean="0"/>
-              <a:t>14/03/2022</a:t>
+              <a:t>16/03/2022</a:t>
             </a:fld>
             <a:endParaRPr lang="fr-FR" noProof="0"/>
           </a:p>
@@ -5463,7 +5463,7 @@
             <a:pPr rtl="0"/>
             <a:fld id="{035F29F0-A14F-4F4F-8A89-9D96995D09F4}" type="datetime1">
               <a:rPr lang="fr-FR" noProof="0" smtClean="0"/>
-              <a:t>14/03/2022</a:t>
+              <a:t>16/03/2022</a:t>
             </a:fld>
             <a:endParaRPr lang="fr-FR" noProof="0"/>
           </a:p>
@@ -5603,7 +5603,7 @@
             <a:pPr rtl="0"/>
             <a:fld id="{375A8DC8-1EBC-45BD-B5DA-23DB3A320D95}" type="datetime1">
               <a:rPr lang="fr-FR" noProof="0" smtClean="0"/>
-              <a:t>14/03/2022</a:t>
+              <a:t>16/03/2022</a:t>
             </a:fld>
             <a:endParaRPr lang="fr-FR" noProof="0"/>
           </a:p>
@@ -5944,7 +5944,7 @@
             <a:pPr rtl="0"/>
             <a:fld id="{299DDFE8-5D0F-4294-BF0D-BCBA491BB07D}" type="datetime1">
               <a:rPr lang="fr-FR" noProof="0" smtClean="0"/>
-              <a:t>14/03/2022</a:t>
+              <a:t>16/03/2022</a:t>
             </a:fld>
             <a:endParaRPr lang="fr-FR" noProof="0"/>
           </a:p>
@@ -6442,7 +6442,7 @@
             <a:pPr rtl="0"/>
             <a:fld id="{511C5F71-8AAC-4C18-9BBC-93A1054C5EED}" type="datetime1">
               <a:rPr lang="fr-FR" noProof="0" smtClean="0"/>
-              <a:t>14/03/2022</a:t>
+              <a:t>16/03/2022</a:t>
             </a:fld>
             <a:endParaRPr lang="fr-FR" noProof="0"/>
           </a:p>
@@ -6896,7 +6896,7 @@
             <a:pPr rtl="0"/>
             <a:fld id="{1828A8D0-70DF-4270-BFE1-B980037453FE}" type="datetime1">
               <a:rPr lang="fr-FR" noProof="0" smtClean="0"/>
-              <a:t>14/03/2022</a:t>
+              <a:t>16/03/2022</a:t>
             </a:fld>
             <a:endParaRPr lang="fr-FR" noProof="0"/>
           </a:p>
@@ -7799,7 +7799,7 @@
             <a:pPr rtl="0"/>
             <a:fld id="{CC995AA8-4435-43C9-8D68-A9F4972684AF}" type="datetime1">
               <a:rPr lang="fr-FR" noProof="0" smtClean="0"/>
-              <a:t>14/03/2022</a:t>
+              <a:t>16/03/2022</a:t>
             </a:fld>
             <a:endParaRPr lang="fr-FR" noProof="0"/>
           </a:p>
@@ -8893,8 +8893,13 @@
               <a:pPr algn="ctr"/>
               <a:r>
                 <a:rPr lang="fr-FR" dirty="0"/>
-                <a:t>Objet Octree</a:t>
+                <a:t>Objet </a:t>
               </a:r>
+              <a:r>
+                <a:rPr lang="fr-FR" dirty="0" err="1"/>
+                <a:t>OBBTree</a:t>
+              </a:r>
+              <a:endParaRPr lang="fr-FR" dirty="0"/>
             </a:p>
           </p:txBody>
         </p:sp>
@@ -9409,7 +9414,7 @@
           <a:p>
             <a:r>
               <a:rPr lang="fr-FR" dirty="0"/>
-              <a:t>Fenêtre online :</a:t>
+              <a:t>Fenêtre offline :</a:t>
             </a:r>
           </a:p>
         </p:txBody>
@@ -9919,30 +9924,35 @@
             <p:ph type="body" sz="half" idx="2"/>
           </p:nvPr>
         </p:nvSpPr>
-        <p:spPr/>
+        <p:spPr>
+          <a:xfrm>
+            <a:off x="1074240" y="1828800"/>
+            <a:ext cx="3293422" cy="4840560"/>
+          </a:xfrm>
+        </p:spPr>
         <p:txBody>
           <a:bodyPr rtlCol="0">
-            <a:normAutofit fontScale="47500" lnSpcReduction="20000"/>
+            <a:normAutofit fontScale="92500"/>
           </a:bodyPr>
           <a:lstStyle/>
           <a:p>
             <a:pPr algn="l"/>
             <a:r>
-              <a:rPr lang="fr-FR" sz="2500" b="0" i="0" u="none" strike="noStrike" baseline="0" dirty="0">
+              <a:rPr lang="fr-FR" sz="1400" b="0" i="0" u="none" strike="noStrike" baseline="0" dirty="0">
                 <a:latin typeface="Calibri" panose="020F0502020204030204" pitchFamily="34" charset="0"/>
                 <a:cs typeface="Calibri" panose="020F0502020204030204" pitchFamily="34" charset="0"/>
               </a:rPr>
               <a:t>Un </a:t>
             </a:r>
             <a:r>
-              <a:rPr lang="fr-FR" sz="2500" b="0" i="1" u="none" strike="noStrike" baseline="0" dirty="0">
+              <a:rPr lang="fr-FR" sz="1400" b="0" i="1" u="none" strike="noStrike" baseline="0" dirty="0">
                 <a:latin typeface="Calibri" panose="020F0502020204030204" pitchFamily="34" charset="0"/>
                 <a:cs typeface="Calibri" panose="020F0502020204030204" pitchFamily="34" charset="0"/>
               </a:rPr>
               <a:t>ray tracer </a:t>
             </a:r>
             <a:r>
-              <a:rPr lang="fr-FR" sz="2500" b="0" i="0" u="none" strike="noStrike" baseline="0" dirty="0">
+              <a:rPr lang="fr-FR" sz="1400" b="0" i="0" u="none" strike="noStrike" baseline="0" dirty="0">
                 <a:latin typeface="Calibri" panose="020F0502020204030204" pitchFamily="34" charset="0"/>
                 <a:cs typeface="Calibri" panose="020F0502020204030204" pitchFamily="34" charset="0"/>
               </a:rPr>
@@ -9952,7 +9962,7 @@
           <a:p>
             <a:pPr algn="l"/>
             <a:r>
-              <a:rPr lang="fr-FR" sz="2500" b="0" i="0" u="none" strike="noStrike" baseline="0" dirty="0">
+              <a:rPr lang="fr-FR" sz="1400" b="0" i="0" u="none" strike="noStrike" baseline="0" dirty="0">
                 <a:latin typeface="Calibri" panose="020F0502020204030204" pitchFamily="34" charset="0"/>
                 <a:cs typeface="Calibri" panose="020F0502020204030204" pitchFamily="34" charset="0"/>
               </a:rPr>
@@ -9962,7 +9972,7 @@
           <a:p>
             <a:pPr algn="l"/>
             <a:r>
-              <a:rPr lang="fr-FR" sz="2500" b="0" i="0" u="none" strike="noStrike" baseline="0" dirty="0">
+              <a:rPr lang="fr-FR" sz="1400" b="0" i="0" u="none" strike="noStrike" baseline="0" dirty="0">
                 <a:latin typeface="Calibri" panose="020F0502020204030204" pitchFamily="34" charset="0"/>
                 <a:cs typeface="Calibri" panose="020F0502020204030204" pitchFamily="34" charset="0"/>
               </a:rPr>
@@ -9972,7 +9982,7 @@
           <a:p>
             <a:pPr algn="l"/>
             <a:r>
-              <a:rPr lang="fr-FR" sz="2500" b="0" i="0" u="none" strike="noStrike" baseline="0" dirty="0">
+              <a:rPr lang="fr-FR" sz="1400" b="0" i="0" u="none" strike="noStrike" baseline="0" dirty="0">
                 <a:latin typeface="Calibri" panose="020F0502020204030204" pitchFamily="34" charset="0"/>
                 <a:cs typeface="Calibri" panose="020F0502020204030204" pitchFamily="34" charset="0"/>
               </a:rPr>
@@ -9982,21 +9992,21 @@
           <a:p>
             <a:pPr algn="l"/>
             <a:r>
-              <a:rPr lang="fr-FR" sz="2500" b="0" i="0" u="none" strike="noStrike" baseline="0" dirty="0">
+              <a:rPr lang="fr-FR" sz="1400" b="0" i="0" u="none" strike="noStrike" baseline="0" dirty="0">
                 <a:latin typeface="Calibri" panose="020F0502020204030204" pitchFamily="34" charset="0"/>
                 <a:cs typeface="Calibri" panose="020F0502020204030204" pitchFamily="34" charset="0"/>
               </a:rPr>
               <a:t>L’objectif est de </a:t>
             </a:r>
             <a:r>
-              <a:rPr lang="fr-FR" sz="2500" b="1" i="0" u="none" strike="noStrike" baseline="0" dirty="0">
+              <a:rPr lang="fr-FR" sz="1400" b="1" i="0" u="none" strike="noStrike" baseline="0" dirty="0">
                 <a:latin typeface="Calibri" panose="020F0502020204030204" pitchFamily="34" charset="0"/>
                 <a:cs typeface="Calibri" panose="020F0502020204030204" pitchFamily="34" charset="0"/>
               </a:rPr>
               <a:t>lancer des rayons </a:t>
             </a:r>
             <a:r>
-              <a:rPr lang="fr-FR" sz="2500" b="0" i="0" u="none" strike="noStrike" baseline="0" dirty="0">
+              <a:rPr lang="fr-FR" sz="1400" b="0" i="0" u="none" strike="noStrike" baseline="0" dirty="0">
                 <a:latin typeface="Calibri" panose="020F0502020204030204" pitchFamily="34" charset="0"/>
                 <a:cs typeface="Calibri" panose="020F0502020204030204" pitchFamily="34" charset="0"/>
               </a:rPr>
@@ -10006,7 +10016,7 @@
           <a:p>
             <a:pPr algn="l"/>
             <a:r>
-              <a:rPr lang="fr-FR" sz="2500" b="0" i="0" u="none" strike="noStrike" baseline="0" dirty="0">
+              <a:rPr lang="fr-FR" sz="1400" b="0" i="0" u="none" strike="noStrike" baseline="0" dirty="0">
                 <a:latin typeface="Calibri" panose="020F0502020204030204" pitchFamily="34" charset="0"/>
                 <a:cs typeface="Calibri" panose="020F0502020204030204" pitchFamily="34" charset="0"/>
               </a:rPr>
@@ -10016,21 +10026,21 @@
           <a:p>
             <a:pPr algn="l"/>
             <a:r>
-              <a:rPr lang="fr-FR" sz="2500" b="0" i="0" u="none" strike="noStrike" baseline="0" dirty="0">
+              <a:rPr lang="fr-FR" sz="1400" b="0" i="0" u="none" strike="noStrike" baseline="0" dirty="0">
                 <a:latin typeface="Calibri" panose="020F0502020204030204" pitchFamily="34" charset="0"/>
                 <a:cs typeface="Calibri" panose="020F0502020204030204" pitchFamily="34" charset="0"/>
               </a:rPr>
               <a:t> la </a:t>
             </a:r>
             <a:r>
-              <a:rPr lang="fr-FR" sz="2500" b="1" i="0" u="none" strike="noStrike" baseline="0" dirty="0">
+              <a:rPr lang="fr-FR" sz="1400" b="1" i="0" u="none" strike="noStrike" baseline="0" dirty="0">
                 <a:latin typeface="Calibri" panose="020F0502020204030204" pitchFamily="34" charset="0"/>
                 <a:cs typeface="Calibri" panose="020F0502020204030204" pitchFamily="34" charset="0"/>
               </a:rPr>
               <a:t>trajectoire optique inverse</a:t>
             </a:r>
             <a:r>
-              <a:rPr lang="fr-FR" sz="2500" b="0" i="0" u="none" strike="noStrike" baseline="0" dirty="0">
+              <a:rPr lang="fr-FR" sz="1400" b="0" i="0" u="none" strike="noStrike" baseline="0" dirty="0">
                 <a:latin typeface="Calibri" panose="020F0502020204030204" pitchFamily="34" charset="0"/>
                 <a:cs typeface="Calibri" panose="020F0502020204030204" pitchFamily="34" charset="0"/>
               </a:rPr>
@@ -10040,21 +10050,21 @@
           <a:p>
             <a:pPr algn="l"/>
             <a:r>
-              <a:rPr lang="fr-FR" sz="2500" b="0" i="0" u="none" strike="noStrike" baseline="0" dirty="0">
+              <a:rPr lang="fr-FR" sz="1400" b="0" i="0" u="none" strike="noStrike" baseline="0" dirty="0">
                 <a:latin typeface="Calibri" panose="020F0502020204030204" pitchFamily="34" charset="0"/>
                 <a:cs typeface="Calibri" panose="020F0502020204030204" pitchFamily="34" charset="0"/>
               </a:rPr>
               <a:t>Lorsqu’il y a une </a:t>
             </a:r>
             <a:r>
-              <a:rPr lang="fr-FR" sz="2500" b="1" i="0" u="none" strike="noStrike" baseline="0" dirty="0">
+              <a:rPr lang="fr-FR" sz="1400" b="1" i="0" u="none" strike="noStrike" baseline="0" dirty="0">
                 <a:latin typeface="Calibri" panose="020F0502020204030204" pitchFamily="34" charset="0"/>
                 <a:cs typeface="Calibri" panose="020F0502020204030204" pitchFamily="34" charset="0"/>
               </a:rPr>
               <a:t>intersection </a:t>
             </a:r>
             <a:r>
-              <a:rPr lang="fr-FR" sz="2500" b="0" i="0" u="none" strike="noStrike" baseline="0" dirty="0">
+              <a:rPr lang="fr-FR" sz="1400" b="0" i="0" u="none" strike="noStrike" baseline="0" dirty="0">
                 <a:latin typeface="Calibri" panose="020F0502020204030204" pitchFamily="34" charset="0"/>
                 <a:cs typeface="Calibri" panose="020F0502020204030204" pitchFamily="34" charset="0"/>
               </a:rPr>
@@ -10064,7 +10074,7 @@
           <a:p>
             <a:pPr algn="l"/>
             <a:r>
-              <a:rPr lang="fr-FR" sz="2500" b="0" i="0" u="none" strike="noStrike" baseline="0" dirty="0">
+              <a:rPr lang="fr-FR" sz="1400" b="0" i="0" u="none" strike="noStrike" baseline="0" dirty="0">
                 <a:latin typeface="Calibri" panose="020F0502020204030204" pitchFamily="34" charset="0"/>
                 <a:cs typeface="Calibri" panose="020F0502020204030204" pitchFamily="34" charset="0"/>
               </a:rPr>
@@ -10074,35 +10084,35 @@
           <a:p>
             <a:pPr algn="l"/>
             <a:r>
-              <a:rPr lang="fr-FR" sz="2500" b="0" i="0" u="none" strike="noStrike" baseline="0" dirty="0">
+              <a:rPr lang="fr-FR" sz="1400" b="0" i="0" u="none" strike="noStrike" baseline="0" dirty="0">
                 <a:latin typeface="Calibri" panose="020F0502020204030204" pitchFamily="34" charset="0"/>
                 <a:cs typeface="Calibri" panose="020F0502020204030204" pitchFamily="34" charset="0"/>
               </a:rPr>
               <a:t>d’</a:t>
             </a:r>
             <a:r>
-              <a:rPr lang="fr-FR" sz="2500" b="1" i="0" u="none" strike="noStrike" baseline="0" dirty="0">
+              <a:rPr lang="fr-FR" sz="1400" b="1" i="0" u="none" strike="noStrike" baseline="0" dirty="0">
                 <a:latin typeface="Calibri" panose="020F0502020204030204" pitchFamily="34" charset="0"/>
                 <a:cs typeface="Calibri" panose="020F0502020204030204" pitchFamily="34" charset="0"/>
               </a:rPr>
               <a:t>illumination </a:t>
             </a:r>
             <a:r>
-              <a:rPr lang="fr-FR" sz="2500" b="0" i="0" u="none" strike="noStrike" baseline="0" dirty="0">
+              <a:rPr lang="fr-FR" sz="1400" b="0" i="0" u="none" strike="noStrike" baseline="0" dirty="0">
                 <a:latin typeface="Calibri" panose="020F0502020204030204" pitchFamily="34" charset="0"/>
                 <a:cs typeface="Calibri" panose="020F0502020204030204" pitchFamily="34" charset="0"/>
               </a:rPr>
               <a:t>(</a:t>
             </a:r>
             <a:r>
-              <a:rPr lang="fr-FR" sz="2500" b="0" i="1" u="none" strike="noStrike" baseline="0" dirty="0" err="1">
+              <a:rPr lang="fr-FR" sz="1400" b="0" i="1" u="none" strike="noStrike" baseline="0" dirty="0" err="1">
                 <a:latin typeface="Calibri" panose="020F0502020204030204" pitchFamily="34" charset="0"/>
                 <a:cs typeface="Calibri" panose="020F0502020204030204" pitchFamily="34" charset="0"/>
               </a:rPr>
               <a:t>shading</a:t>
             </a:r>
             <a:r>
-              <a:rPr lang="fr-FR" sz="2500" b="0" i="0" u="none" strike="noStrike" baseline="0" dirty="0">
+              <a:rPr lang="fr-FR" sz="1400" b="0" i="0" u="none" strike="noStrike" baseline="0" dirty="0">
                 <a:latin typeface="Calibri" panose="020F0502020204030204" pitchFamily="34" charset="0"/>
                 <a:cs typeface="Calibri" panose="020F0502020204030204" pitchFamily="34" charset="0"/>
               </a:rPr>
@@ -10112,46 +10122,39 @@
           <a:p>
             <a:pPr algn="l"/>
             <a:r>
-              <a:rPr lang="fr-FR" sz="2500" b="0" i="0" u="none" strike="noStrike" baseline="0" dirty="0" err="1">
+              <a:rPr lang="fr-FR" sz="1400" b="0" i="0" u="none" strike="noStrike" baseline="0" dirty="0">
                 <a:latin typeface="Calibri" panose="020F0502020204030204" pitchFamily="34" charset="0"/>
                 <a:cs typeface="Calibri" panose="020F0502020204030204" pitchFamily="34" charset="0"/>
               </a:rPr>
-              <a:t>intersepté</a:t>
-            </a:r>
-            <a:r>
-              <a:rPr lang="fr-FR" sz="2500" b="0" i="0" u="none" strike="noStrike" baseline="0" dirty="0">
+              <a:t>intercepté est éclairé par une source de</a:t>
+            </a:r>
+          </a:p>
+          <a:p>
+            <a:pPr algn="l"/>
+            <a:r>
+              <a:rPr lang="fr-FR" sz="1400" b="0" i="0" u="none" strike="noStrike" baseline="0" dirty="0">
                 <a:latin typeface="Calibri" panose="020F0502020204030204" pitchFamily="34" charset="0"/>
                 <a:cs typeface="Calibri" panose="020F0502020204030204" pitchFamily="34" charset="0"/>
               </a:rPr>
-              <a:t> est éclairé par une source de lumière</a:t>
+              <a:t> lumière et évalue la couleur que celui-ci va</a:t>
             </a:r>
           </a:p>
           <a:p>
             <a:pPr algn="l"/>
             <a:r>
-              <a:rPr lang="fr-FR" sz="2500" b="0" i="0" u="none" strike="noStrike" baseline="0" dirty="0">
+              <a:rPr lang="fr-FR" sz="1400" b="0" i="0" u="none" strike="noStrike" baseline="0" dirty="0">
                 <a:latin typeface="Calibri" panose="020F0502020204030204" pitchFamily="34" charset="0"/>
                 <a:cs typeface="Calibri" panose="020F0502020204030204" pitchFamily="34" charset="0"/>
               </a:rPr>
-              <a:t> et évalue la couleur que celui-ci va réfléchir et</a:t>
-            </a:r>
-          </a:p>
-          <a:p>
-            <a:pPr algn="l"/>
-            <a:r>
-              <a:rPr lang="fr-FR" sz="2500" b="0" i="0" u="none" strike="noStrike" baseline="0" dirty="0">
-                <a:latin typeface="Calibri" panose="020F0502020204030204" pitchFamily="34" charset="0"/>
-                <a:cs typeface="Calibri" panose="020F0502020204030204" pitchFamily="34" charset="0"/>
-              </a:rPr>
-              <a:t>transmettre vers le point d’observation</a:t>
-            </a:r>
-            <a:r>
-              <a:rPr lang="fr-FR" sz="1800" b="0" i="0" u="none" strike="noStrike" baseline="0" dirty="0">
+              <a:t> réfléchir et transmettre vers le point d’observation</a:t>
+            </a:r>
+            <a:r>
+              <a:rPr lang="fr-FR" sz="1000" b="0" i="0" u="none" strike="noStrike" baseline="0" dirty="0">
                 <a:latin typeface="TimesNewRomanPSMT"/>
               </a:rPr>
               <a:t>.</a:t>
             </a:r>
-            <a:endParaRPr lang="fr-FR" dirty="0"/>
+            <a:endParaRPr lang="fr-FR" sz="1100" dirty="0"/>
           </a:p>
         </p:txBody>
       </p:sp>
@@ -10634,18 +10637,18 @@
         <p:spPr>
           <a:xfrm>
             <a:off x="1074240" y="1828800"/>
-            <a:ext cx="3293422" cy="4552528"/>
+            <a:ext cx="3293422" cy="4840560"/>
           </a:xfrm>
         </p:spPr>
         <p:txBody>
           <a:bodyPr>
-            <a:normAutofit fontScale="85000" lnSpcReduction="10000"/>
+            <a:normAutofit/>
           </a:bodyPr>
           <a:lstStyle/>
           <a:p>
             <a:pPr algn="l"/>
             <a:r>
-              <a:rPr lang="fr-FR" sz="1800" b="0" i="0" u="none" strike="noStrike" baseline="0" dirty="0">
+              <a:rPr lang="fr-FR" sz="1600" b="0" i="0" u="none" strike="noStrike" baseline="0" dirty="0">
                 <a:solidFill>
                   <a:srgbClr val="231F20"/>
                 </a:solidFill>
@@ -10657,7 +10660,7 @@
           <a:p>
             <a:pPr algn="l"/>
             <a:r>
-              <a:rPr lang="fr-FR" sz="1800" b="0" i="0" u="none" strike="noStrike" baseline="0" dirty="0">
+              <a:rPr lang="fr-FR" sz="1600" b="0" i="0" u="none" strike="noStrike" baseline="0" dirty="0">
                 <a:solidFill>
                   <a:srgbClr val="231F20"/>
                 </a:solidFill>
@@ -10668,7 +10671,7 @@
           </a:p>
           <a:p>
             <a:pPr algn="l"/>
-            <a:endParaRPr lang="fr-FR" sz="1800" b="0" i="0" u="none" strike="noStrike" baseline="0" dirty="0">
+            <a:endParaRPr lang="fr-FR" sz="1600" b="0" i="0" u="none" strike="noStrike" baseline="0" dirty="0">
               <a:solidFill>
                 <a:srgbClr val="231F20"/>
               </a:solidFill>
@@ -10678,7 +10681,7 @@
           <a:p>
             <a:pPr algn="l"/>
             <a:r>
-              <a:rPr lang="fr-FR" sz="1800" b="0" i="0" u="none" strike="noStrike" baseline="0" dirty="0">
+              <a:rPr lang="fr-FR" sz="1600" b="0" i="0" u="none" strike="noStrike" baseline="0" dirty="0">
                 <a:solidFill>
                   <a:srgbClr val="231F20"/>
                 </a:solidFill>
@@ -10690,7 +10693,7 @@
           <a:p>
             <a:pPr algn="l"/>
             <a:r>
-              <a:rPr lang="fr-FR" sz="1800" b="0" i="0" u="none" strike="noStrike" baseline="0" dirty="0">
+              <a:rPr lang="fr-FR" sz="1600" b="0" i="0" u="none" strike="noStrike" baseline="0" dirty="0">
                 <a:solidFill>
                   <a:srgbClr val="231F20"/>
                 </a:solidFill>
@@ -10702,7 +10705,7 @@
           <a:p>
             <a:pPr algn="l"/>
             <a:r>
-              <a:rPr lang="fr-FR" sz="1800" b="0" i="0" u="none" strike="noStrike" baseline="0" dirty="0">
+              <a:rPr lang="fr-FR" sz="1600" b="0" i="0" u="none" strike="noStrike" baseline="0" dirty="0">
                 <a:solidFill>
                   <a:srgbClr val="231F20"/>
                 </a:solidFill>
@@ -10714,7 +10717,7 @@
           <a:p>
             <a:pPr algn="l"/>
             <a:r>
-              <a:rPr lang="fr-FR" sz="1800" b="0" i="0" u="none" strike="noStrike" baseline="0" dirty="0">
+              <a:rPr lang="fr-FR" sz="1600" b="0" i="0" u="none" strike="noStrike" baseline="0" dirty="0">
                 <a:solidFill>
                   <a:srgbClr val="231F20"/>
                 </a:solidFill>
@@ -10726,7 +10729,7 @@
           <a:p>
             <a:pPr algn="l"/>
             <a:r>
-              <a:rPr lang="fr-FR" sz="1800" b="0" i="0" u="none" strike="noStrike" baseline="0" dirty="0">
+              <a:rPr lang="fr-FR" sz="1600" b="0" i="0" u="none" strike="noStrike" baseline="0" dirty="0">
                 <a:solidFill>
                   <a:srgbClr val="231F20"/>
                 </a:solidFill>
@@ -10738,7 +10741,7 @@
           <a:p>
             <a:pPr algn="l"/>
             <a:r>
-              <a:rPr lang="fr-FR" sz="1800" b="0" i="0" u="none" strike="noStrike" baseline="0" dirty="0">
+              <a:rPr lang="fr-FR" sz="1600" b="0" i="0" u="none" strike="noStrike" baseline="0" dirty="0">
                 <a:solidFill>
                   <a:srgbClr val="231F20"/>
                 </a:solidFill>
@@ -10750,7 +10753,7 @@
           <a:p>
             <a:pPr algn="l"/>
             <a:r>
-              <a:rPr lang="fr-FR" sz="1800" b="0" i="0" u="none" strike="noStrike" baseline="0" dirty="0">
+              <a:rPr lang="fr-FR" sz="1600" b="0" i="0" u="none" strike="noStrike" baseline="0" dirty="0">
                 <a:solidFill>
                   <a:srgbClr val="231F20"/>
                 </a:solidFill>
@@ -10762,7 +10765,7 @@
           <a:p>
             <a:pPr algn="l"/>
             <a:r>
-              <a:rPr lang="fr-FR" sz="1800" b="0" i="0" u="none" strike="noStrike" baseline="0" dirty="0">
+              <a:rPr lang="fr-FR" sz="1600" b="0" i="0" u="none" strike="noStrike" baseline="0" dirty="0">
                 <a:solidFill>
                   <a:srgbClr val="231F20"/>
                 </a:solidFill>
@@ -10771,7 +10774,7 @@
               <a:t>utilisant le temps </a:t>
             </a:r>
             <a:r>
-              <a:rPr lang="fr-FR" sz="1800" b="0" i="1" u="none" strike="noStrike" baseline="0" dirty="0">
+              <a:rPr lang="fr-FR" sz="1600" b="0" i="1" u="none" strike="noStrike" baseline="0" dirty="0">
                 <a:solidFill>
                   <a:srgbClr val="231F20"/>
                 </a:solidFill>
@@ -10780,7 +10783,7 @@
               <a:t>t </a:t>
             </a:r>
             <a:r>
-              <a:rPr lang="fr-FR" sz="1800" b="0" i="0" u="none" strike="noStrike" baseline="0" dirty="0">
+              <a:rPr lang="fr-FR" sz="1600" b="0" i="0" u="none" strike="noStrike" baseline="0" dirty="0">
                 <a:solidFill>
                   <a:srgbClr val="231F20"/>
                 </a:solidFill>
@@ -10792,7 +10795,7 @@
           <a:p>
             <a:pPr algn="l"/>
             <a:r>
-              <a:rPr lang="fr-FR" sz="1800" b="0" i="0" u="none" strike="noStrike" baseline="0" dirty="0">
+              <a:rPr lang="fr-FR" sz="1600" b="0" i="0" u="none" strike="noStrike" baseline="0" dirty="0">
                 <a:solidFill>
                   <a:srgbClr val="231F20"/>
                 </a:solidFill>
@@ -10800,7 +10803,7 @@
               </a:rPr>
               <a:t>les intersections réalisées.</a:t>
             </a:r>
-            <a:endParaRPr lang="fr-FR" dirty="0"/>
+            <a:endParaRPr lang="fr-FR" sz="1800" dirty="0"/>
           </a:p>
         </p:txBody>
       </p:sp>
@@ -10856,7 +10859,7 @@
         </p:blipFill>
         <p:spPr>
           <a:xfrm>
-            <a:off x="1557908" y="2420888"/>
+            <a:off x="1557908" y="2564904"/>
             <a:ext cx="1362265" cy="428685"/>
           </a:xfrm>
           <a:prstGeom prst="rect">
